--- a/MATLAB/Documentation.pptx
+++ b/MATLAB/Documentation.pptx
@@ -6,13 +6,15 @@
   </p:sldMasterIdLst>
   <p:sldIdLst>
     <p:sldId id="256" r:id="rId2"/>
-    <p:sldId id="257" r:id="rId3"/>
-    <p:sldId id="258" r:id="rId4"/>
-    <p:sldId id="259" r:id="rId5"/>
-    <p:sldId id="260" r:id="rId6"/>
-    <p:sldId id="262" r:id="rId7"/>
-    <p:sldId id="261" r:id="rId8"/>
-    <p:sldId id="263" r:id="rId9"/>
+    <p:sldId id="264" r:id="rId3"/>
+    <p:sldId id="257" r:id="rId4"/>
+    <p:sldId id="258" r:id="rId5"/>
+    <p:sldId id="259" r:id="rId6"/>
+    <p:sldId id="260" r:id="rId7"/>
+    <p:sldId id="262" r:id="rId8"/>
+    <p:sldId id="261" r:id="rId9"/>
+    <p:sldId id="263" r:id="rId10"/>
+    <p:sldId id="265" r:id="rId11"/>
   </p:sldIdLst>
   <p:sldSz cx="12192000" cy="6858000"/>
   <p:notesSz cx="6858000" cy="9144000"/>
@@ -111,6 +113,11 @@
       </a:defRPr>
     </a:lvl9pPr>
   </p:defaultTextStyle>
+  <p:extLst>
+    <p:ext uri="{EFAFB233-063F-42B5-8137-9DF3F51BA10A}">
+      <p15:sldGuideLst xmlns:p15="http://schemas.microsoft.com/office/powerpoint/2012/main"/>
+    </p:ext>
+  </p:extLst>
 </p:presentation>
 </file>
 
@@ -261,7 +268,7 @@
           <a:p>
             <a:fld id="{F1A1DB6C-9223-4A7D-9623-1228E6B40F9B}" type="datetimeFigureOut">
               <a:rPr lang="en-US" smtClean="0"/>
-              <a:t>1/11/2023</a:t>
+              <a:t>1/13/2023</a:t>
             </a:fld>
             <a:endParaRPr lang="en-US"/>
           </a:p>
@@ -459,7 +466,7 @@
           <a:p>
             <a:fld id="{F1A1DB6C-9223-4A7D-9623-1228E6B40F9B}" type="datetimeFigureOut">
               <a:rPr lang="en-US" smtClean="0"/>
-              <a:t>1/11/2023</a:t>
+              <a:t>1/13/2023</a:t>
             </a:fld>
             <a:endParaRPr lang="en-US"/>
           </a:p>
@@ -667,7 +674,7 @@
           <a:p>
             <a:fld id="{F1A1DB6C-9223-4A7D-9623-1228E6B40F9B}" type="datetimeFigureOut">
               <a:rPr lang="en-US" smtClean="0"/>
-              <a:t>1/11/2023</a:t>
+              <a:t>1/13/2023</a:t>
             </a:fld>
             <a:endParaRPr lang="en-US"/>
           </a:p>
@@ -865,7 +872,7 @@
           <a:p>
             <a:fld id="{F1A1DB6C-9223-4A7D-9623-1228E6B40F9B}" type="datetimeFigureOut">
               <a:rPr lang="en-US" smtClean="0"/>
-              <a:t>1/11/2023</a:t>
+              <a:t>1/13/2023</a:t>
             </a:fld>
             <a:endParaRPr lang="en-US"/>
           </a:p>
@@ -1140,7 +1147,7 @@
           <a:p>
             <a:fld id="{F1A1DB6C-9223-4A7D-9623-1228E6B40F9B}" type="datetimeFigureOut">
               <a:rPr lang="en-US" smtClean="0"/>
-              <a:t>1/11/2023</a:t>
+              <a:t>1/13/2023</a:t>
             </a:fld>
             <a:endParaRPr lang="en-US"/>
           </a:p>
@@ -1405,7 +1412,7 @@
           <a:p>
             <a:fld id="{F1A1DB6C-9223-4A7D-9623-1228E6B40F9B}" type="datetimeFigureOut">
               <a:rPr lang="en-US" smtClean="0"/>
-              <a:t>1/11/2023</a:t>
+              <a:t>1/13/2023</a:t>
             </a:fld>
             <a:endParaRPr lang="en-US"/>
           </a:p>
@@ -1817,7 +1824,7 @@
           <a:p>
             <a:fld id="{F1A1DB6C-9223-4A7D-9623-1228E6B40F9B}" type="datetimeFigureOut">
               <a:rPr lang="en-US" smtClean="0"/>
-              <a:t>1/11/2023</a:t>
+              <a:t>1/13/2023</a:t>
             </a:fld>
             <a:endParaRPr lang="en-US"/>
           </a:p>
@@ -1958,7 +1965,7 @@
           <a:p>
             <a:fld id="{F1A1DB6C-9223-4A7D-9623-1228E6B40F9B}" type="datetimeFigureOut">
               <a:rPr lang="en-US" smtClean="0"/>
-              <a:t>1/11/2023</a:t>
+              <a:t>1/13/2023</a:t>
             </a:fld>
             <a:endParaRPr lang="en-US"/>
           </a:p>
@@ -2071,7 +2078,7 @@
           <a:p>
             <a:fld id="{F1A1DB6C-9223-4A7D-9623-1228E6B40F9B}" type="datetimeFigureOut">
               <a:rPr lang="en-US" smtClean="0"/>
-              <a:t>1/11/2023</a:t>
+              <a:t>1/13/2023</a:t>
             </a:fld>
             <a:endParaRPr lang="en-US"/>
           </a:p>
@@ -2382,7 +2389,7 @@
           <a:p>
             <a:fld id="{F1A1DB6C-9223-4A7D-9623-1228E6B40F9B}" type="datetimeFigureOut">
               <a:rPr lang="en-US" smtClean="0"/>
-              <a:t>1/11/2023</a:t>
+              <a:t>1/13/2023</a:t>
             </a:fld>
             <a:endParaRPr lang="en-US"/>
           </a:p>
@@ -2670,7 +2677,7 @@
           <a:p>
             <a:fld id="{F1A1DB6C-9223-4A7D-9623-1228E6B40F9B}" type="datetimeFigureOut">
               <a:rPr lang="en-US" smtClean="0"/>
-              <a:t>1/11/2023</a:t>
+              <a:t>1/13/2023</a:t>
             </a:fld>
             <a:endParaRPr lang="en-US"/>
           </a:p>
@@ -2911,7 +2918,7 @@
           <a:p>
             <a:fld id="{F1A1DB6C-9223-4A7D-9623-1228E6B40F9B}" type="datetimeFigureOut">
               <a:rPr lang="en-US" smtClean="0"/>
-              <a:t>1/11/2023</a:t>
+              <a:t>1/13/2023</a:t>
             </a:fld>
             <a:endParaRPr lang="en-US"/>
           </a:p>
@@ -3397,6 +3404,108 @@
 </p:sld>
 </file>
 
+<file path=ppt/slides/slide10.xml><?xml version="1.0" encoding="utf-8"?>
+<p:sld xmlns:a="http://schemas.openxmlformats.org/drawingml/2006/main" xmlns:r="http://schemas.openxmlformats.org/officeDocument/2006/relationships" xmlns:p="http://schemas.openxmlformats.org/presentationml/2006/main">
+  <p:cSld>
+    <p:spTree>
+      <p:nvGrpSpPr>
+        <p:cNvPr id="1" name=""/>
+        <p:cNvGrpSpPr/>
+        <p:nvPr/>
+      </p:nvGrpSpPr>
+      <p:grpSpPr>
+        <a:xfrm>
+          <a:off x="0" y="0"/>
+          <a:ext cx="0" cy="0"/>
+          <a:chOff x="0" y="0"/>
+          <a:chExt cx="0" cy="0"/>
+        </a:xfrm>
+      </p:grpSpPr>
+      <p:sp>
+        <p:nvSpPr>
+          <p:cNvPr id="2" name="Title 1">
+            <a:extLst>
+              <a:ext uri="{FF2B5EF4-FFF2-40B4-BE49-F238E27FC236}">
+                <a16:creationId xmlns:a16="http://schemas.microsoft.com/office/drawing/2014/main" id="{ADC6E5EF-404A-3270-F170-29B282B93FA6}"/>
+              </a:ext>
+            </a:extLst>
+          </p:cNvPr>
+          <p:cNvSpPr>
+            <a:spLocks noGrp="1"/>
+          </p:cNvSpPr>
+          <p:nvPr>
+            <p:ph type="title"/>
+          </p:nvPr>
+        </p:nvSpPr>
+        <p:spPr/>
+        <p:txBody>
+          <a:bodyPr/>
+          <a:lstStyle/>
+          <a:p>
+            <a:r>
+              <a:rPr lang="en-US" dirty="0"/>
+              <a:t>Acknowledgements</a:t>
+            </a:r>
+          </a:p>
+        </p:txBody>
+      </p:sp>
+      <p:sp>
+        <p:nvSpPr>
+          <p:cNvPr id="3" name="Content Placeholder 2">
+            <a:extLst>
+              <a:ext uri="{FF2B5EF4-FFF2-40B4-BE49-F238E27FC236}">
+                <a16:creationId xmlns:a16="http://schemas.microsoft.com/office/drawing/2014/main" id="{6036CA3D-B1E0-EA75-0E8B-3933A204167D}"/>
+              </a:ext>
+            </a:extLst>
+          </p:cNvPr>
+          <p:cNvSpPr>
+            <a:spLocks noGrp="1"/>
+          </p:cNvSpPr>
+          <p:nvPr>
+            <p:ph idx="1"/>
+          </p:nvPr>
+        </p:nvSpPr>
+        <p:spPr/>
+        <p:txBody>
+          <a:bodyPr/>
+          <a:lstStyle/>
+          <a:p>
+            <a:r>
+              <a:rPr lang="en-US" dirty="0"/>
+              <a:t>NASA Software Catalog</a:t>
+            </a:r>
+          </a:p>
+          <a:p>
+            <a:r>
+              <a:rPr lang="en-US" dirty="0" err="1"/>
+              <a:t>CoolProp</a:t>
+            </a:r>
+            <a:endParaRPr lang="en-US" dirty="0"/>
+          </a:p>
+          <a:p>
+            <a:r>
+              <a:rPr lang="en-US" dirty="0"/>
+              <a:t>Cryo-Rocket.com by Brian Brady</a:t>
+            </a:r>
+          </a:p>
+          <a:p>
+            <a:endParaRPr lang="en-US" dirty="0"/>
+          </a:p>
+        </p:txBody>
+      </p:sp>
+    </p:spTree>
+    <p:extLst>
+      <p:ext uri="{BB962C8B-B14F-4D97-AF65-F5344CB8AC3E}">
+        <p14:creationId xmlns:p14="http://schemas.microsoft.com/office/powerpoint/2010/main" val="1290774400"/>
+      </p:ext>
+    </p:extLst>
+  </p:cSld>
+  <p:clrMapOvr>
+    <a:masterClrMapping/>
+  </p:clrMapOvr>
+</p:sld>
+</file>
+
 <file path=ppt/slides/slide2.xml><?xml version="1.0" encoding="utf-8"?>
 <p:sld xmlns:a="http://schemas.openxmlformats.org/drawingml/2006/main" xmlns:r="http://schemas.openxmlformats.org/officeDocument/2006/relationships" xmlns:p="http://schemas.openxmlformats.org/presentationml/2006/main">
   <p:cSld>
@@ -3419,7 +3528,7 @@
           <p:cNvPr id="2" name="Title 1">
             <a:extLst>
               <a:ext uri="{FF2B5EF4-FFF2-40B4-BE49-F238E27FC236}">
-                <a16:creationId xmlns:a16="http://schemas.microsoft.com/office/drawing/2014/main" id="{80C22555-79CC-07B0-538C-D631D7B1DD6C}"/>
+                <a16:creationId xmlns:a16="http://schemas.microsoft.com/office/drawing/2014/main" id="{9B85638A-A804-DB49-3213-FBE0370A5309}"/>
               </a:ext>
             </a:extLst>
           </p:cNvPr>
@@ -3437,7 +3546,7 @@
           <a:p>
             <a:r>
               <a:rPr lang="en-US" dirty="0"/>
-              <a:t>Overview and Motivation</a:t>
+              <a:t>Getting Started</a:t>
             </a:r>
           </a:p>
         </p:txBody>
@@ -3447,7 +3556,7 @@
           <p:cNvPr id="3" name="Content Placeholder 2">
             <a:extLst>
               <a:ext uri="{FF2B5EF4-FFF2-40B4-BE49-F238E27FC236}">
-                <a16:creationId xmlns:a16="http://schemas.microsoft.com/office/drawing/2014/main" id="{C9E9655C-464C-E5FF-5F94-08098895D944}"/>
+                <a16:creationId xmlns:a16="http://schemas.microsoft.com/office/drawing/2014/main" id="{98C8C45B-1040-7A00-3618-423A9B405309}"/>
               </a:ext>
             </a:extLst>
           </p:cNvPr>
@@ -3463,14 +3572,86 @@
           <a:bodyPr/>
           <a:lstStyle/>
           <a:p>
-            <a:endParaRPr lang="en-US"/>
+            <a:r>
+              <a:rPr lang="en-US" dirty="0"/>
+              <a:t>All files should be in the same folder</a:t>
+            </a:r>
+          </a:p>
+          <a:p>
+            <a:r>
+              <a:rPr lang="en-US" dirty="0"/>
+              <a:t>Must download </a:t>
+            </a:r>
+            <a:r>
+              <a:rPr lang="en-US" dirty="0" err="1"/>
+              <a:t>CoolProp</a:t>
+            </a:r>
+            <a:r>
+              <a:rPr lang="en-US" dirty="0"/>
+              <a:t> for MATLAB</a:t>
+            </a:r>
+          </a:p>
+          <a:p>
+            <a:pPr lvl="1"/>
+            <a:r>
+              <a:rPr lang="en-US" dirty="0"/>
+              <a:t>Requires an installation of Anaconda for Python</a:t>
+            </a:r>
+          </a:p>
+          <a:p>
+            <a:pPr lvl="1"/>
+            <a:r>
+              <a:rPr lang="en-US" dirty="0"/>
+              <a:t>Instructions here: </a:t>
+            </a:r>
+            <a:r>
+              <a:rPr lang="en-US" dirty="0">
+                <a:hlinkClick r:id="rId2"/>
+              </a:rPr>
+              <a:t>https://www.youtube.com/watch?v=XvR10Fjph7U</a:t>
+            </a:r>
+            <a:endParaRPr lang="en-US" dirty="0"/>
+          </a:p>
+          <a:p>
+            <a:r>
+              <a:rPr lang="en-US" dirty="0"/>
+              <a:t>Must request CEAM from NASA software catalog and download to same folder as other files</a:t>
+            </a:r>
+          </a:p>
+          <a:p>
+            <a:pPr lvl="1"/>
+            <a:r>
+              <a:rPr lang="en-US" dirty="0"/>
+              <a:t>Request here: </a:t>
+            </a:r>
+            <a:r>
+              <a:rPr lang="en-US" dirty="0">
+                <a:hlinkClick r:id="rId3"/>
+              </a:rPr>
+              <a:t>https://software.nasa.gov/software/MFS-33320-1</a:t>
+            </a:r>
+            <a:endParaRPr lang="en-US" dirty="0"/>
+          </a:p>
+          <a:p>
+            <a:r>
+              <a:rPr lang="en-US" dirty="0"/>
+              <a:t>Run “</a:t>
+            </a:r>
+            <a:r>
+              <a:rPr lang="en-US" dirty="0" err="1"/>
+              <a:t>main.m</a:t>
+            </a:r>
+            <a:r>
+              <a:rPr lang="en-US" dirty="0"/>
+              <a:t>”</a:t>
+            </a:r>
           </a:p>
         </p:txBody>
       </p:sp>
     </p:spTree>
     <p:extLst>
       <p:ext uri="{BB962C8B-B14F-4D97-AF65-F5344CB8AC3E}">
-        <p14:creationId xmlns:p14="http://schemas.microsoft.com/office/powerpoint/2010/main" val="3755805670"/>
+        <p14:creationId xmlns:p14="http://schemas.microsoft.com/office/powerpoint/2010/main" val="3060899798"/>
       </p:ext>
     </p:extLst>
   </p:cSld>
@@ -3502,7 +3683,7 @@
           <p:cNvPr id="2" name="Title 1">
             <a:extLst>
               <a:ext uri="{FF2B5EF4-FFF2-40B4-BE49-F238E27FC236}">
-                <a16:creationId xmlns:a16="http://schemas.microsoft.com/office/drawing/2014/main" id="{E9D8456C-7384-1CEA-5C29-0E3FA1AE0C22}"/>
+                <a16:creationId xmlns:a16="http://schemas.microsoft.com/office/drawing/2014/main" id="{80C22555-79CC-07B0-538C-D631D7B1DD6C}"/>
               </a:ext>
             </a:extLst>
           </p:cNvPr>
@@ -3519,10 +3700,9 @@
           <a:lstStyle/>
           <a:p>
             <a:r>
-              <a:rPr lang="en-US" dirty="0" err="1"/>
-              <a:t>main.m</a:t>
-            </a:r>
-            <a:endParaRPr lang="en-US" dirty="0"/>
+              <a:rPr lang="en-US" dirty="0"/>
+              <a:t>Overview and Motivation</a:t>
+            </a:r>
           </a:p>
         </p:txBody>
       </p:sp>
@@ -3531,7 +3711,7 @@
           <p:cNvPr id="3" name="Content Placeholder 2">
             <a:extLst>
               <a:ext uri="{FF2B5EF4-FFF2-40B4-BE49-F238E27FC236}">
-                <a16:creationId xmlns:a16="http://schemas.microsoft.com/office/drawing/2014/main" id="{A376BBD8-AFA1-3A24-E461-88EA051DE4C9}"/>
+                <a16:creationId xmlns:a16="http://schemas.microsoft.com/office/drawing/2014/main" id="{C9E9655C-464C-E5FF-5F94-08098895D944}"/>
               </a:ext>
             </a:extLst>
           </p:cNvPr>
@@ -3542,19 +3722,88 @@
             <p:ph idx="1"/>
           </p:nvPr>
         </p:nvSpPr>
-        <p:spPr/>
-        <p:txBody>
-          <a:bodyPr/>
-          <a:lstStyle/>
-          <a:p>
-            <a:endParaRPr lang="en-US"/>
-          </a:p>
-        </p:txBody>
-      </p:sp>
+        <p:spPr>
+          <a:xfrm>
+            <a:off x="838200" y="1825625"/>
+            <a:ext cx="6958781" cy="4351338"/>
+          </a:xfrm>
+        </p:spPr>
+        <p:txBody>
+          <a:bodyPr>
+            <a:normAutofit/>
+          </a:bodyPr>
+          <a:lstStyle/>
+          <a:p>
+            <a:r>
+              <a:rPr lang="en-US" sz="1600" dirty="0"/>
+              <a:t>Model a gas generator cycle engine with sufficient detail to inform CAD, FEA, and CFD models with few to no other calculations</a:t>
+            </a:r>
+          </a:p>
+          <a:p>
+            <a:r>
+              <a:rPr lang="en-US" sz="1600" dirty="0"/>
+              <a:t>Fuel is ethanol (proof can be varied) and liquid oxygen. Combustion chamber and gas generator are intended to run fuel-rich, however the OF ratio of both can be modified to any value.</a:t>
+            </a:r>
+          </a:p>
+          <a:p>
+            <a:r>
+              <a:rPr lang="en-US" sz="1600" dirty="0"/>
+              <a:t>Calculations take a “top-down” approach: the final desired results are entered as inputs (e.g. thrust, chamber pressure, OF ratio), and then the script works backwards through the system and outputs requirements to achieve the desired results (e.g. mass flow from tanks, turbopump efficiencies)</a:t>
+            </a:r>
+          </a:p>
+        </p:txBody>
+      </p:sp>
+      <p:pic>
+        <p:nvPicPr>
+          <p:cNvPr id="1026" name="Picture 2">
+            <a:extLst>
+              <a:ext uri="{FF2B5EF4-FFF2-40B4-BE49-F238E27FC236}">
+                <a16:creationId xmlns:a16="http://schemas.microsoft.com/office/drawing/2014/main" id="{C28A4B7A-9E82-0CA0-A371-A4995A11B8F2}"/>
+              </a:ext>
+            </a:extLst>
+          </p:cNvPr>
+          <p:cNvPicPr>
+            <a:picLocks noChangeAspect="1" noChangeArrowheads="1"/>
+          </p:cNvPicPr>
+          <p:nvPr/>
+        </p:nvPicPr>
+        <p:blipFill>
+          <a:blip r:embed="rId2">
+            <a:extLst>
+              <a:ext uri="{28A0092B-C50C-407E-A947-70E740481C1C}">
+                <a14:useLocalDpi xmlns:a14="http://schemas.microsoft.com/office/drawing/2010/main" val="0"/>
+              </a:ext>
+            </a:extLst>
+          </a:blip>
+          <a:srcRect/>
+          <a:stretch>
+            <a:fillRect/>
+          </a:stretch>
+        </p:blipFill>
+        <p:spPr bwMode="auto">
+          <a:xfrm>
+            <a:off x="8108704" y="1027905"/>
+            <a:ext cx="4083295" cy="5012741"/>
+          </a:xfrm>
+          <a:prstGeom prst="rect">
+            <a:avLst/>
+          </a:prstGeom>
+          <a:noFill/>
+          <a:extLst>
+            <a:ext uri="{909E8E84-426E-40DD-AFC4-6F175D3DCCD1}">
+              <a14:hiddenFill xmlns:a14="http://schemas.microsoft.com/office/drawing/2010/main">
+                <a:solidFill>
+                  <a:srgbClr val="FFFFFF"/>
+                </a:solidFill>
+              </a14:hiddenFill>
+            </a:ext>
+          </a:extLst>
+        </p:spPr>
+      </p:pic>
     </p:spTree>
     <p:extLst>
       <p:ext uri="{BB962C8B-B14F-4D97-AF65-F5344CB8AC3E}">
-        <p14:creationId xmlns:p14="http://schemas.microsoft.com/office/powerpoint/2010/main" val="4004741645"/>
+        <p14:creationId xmlns:p14="http://schemas.microsoft.com/office/powerpoint/2010/main" val="3755805670"/>
       </p:ext>
     </p:extLst>
   </p:cSld>
@@ -3586,7 +3835,7 @@
           <p:cNvPr id="2" name="Title 1">
             <a:extLst>
               <a:ext uri="{FF2B5EF4-FFF2-40B4-BE49-F238E27FC236}">
-                <a16:creationId xmlns:a16="http://schemas.microsoft.com/office/drawing/2014/main" id="{C0E5B8ED-C7DC-0699-4012-571B4E8014B2}"/>
+                <a16:creationId xmlns:a16="http://schemas.microsoft.com/office/drawing/2014/main" id="{E9D8456C-7384-1CEA-5C29-0E3FA1AE0C22}"/>
               </a:ext>
             </a:extLst>
           </p:cNvPr>
@@ -3604,7 +3853,7 @@
           <a:p>
             <a:r>
               <a:rPr lang="en-US" dirty="0" err="1"/>
-              <a:t>combustion.m</a:t>
+              <a:t>main.m</a:t>
             </a:r>
             <a:endParaRPr lang="en-US" dirty="0"/>
           </a:p>
@@ -3615,7 +3864,7 @@
           <p:cNvPr id="3" name="Content Placeholder 2">
             <a:extLst>
               <a:ext uri="{FF2B5EF4-FFF2-40B4-BE49-F238E27FC236}">
-                <a16:creationId xmlns:a16="http://schemas.microsoft.com/office/drawing/2014/main" id="{EC4555EB-5679-5C6F-5CF7-523DB1F52641}"/>
+                <a16:creationId xmlns:a16="http://schemas.microsoft.com/office/drawing/2014/main" id="{A376BBD8-AFA1-3A24-E461-88EA051DE4C9}"/>
               </a:ext>
             </a:extLst>
           </p:cNvPr>
@@ -3628,17 +3877,22 @@
         </p:nvSpPr>
         <p:spPr/>
         <p:txBody>
-          <a:bodyPr/>
-          <a:lstStyle/>
-          <a:p>
-            <a:endParaRPr lang="en-US"/>
+          <a:bodyPr>
+            <a:normAutofit/>
+          </a:bodyPr>
+          <a:lstStyle/>
+          <a:p>
+            <a:r>
+              <a:rPr lang="en-US" sz="1600" dirty="0"/>
+              <a:t>First section is all inputs. All these numbers can be safely modified without breaking the program; however, some configurations will not be physically possible and error messages will be thrown (e.g., requested chamber pressure is too high and needs a dangerously high contraction ratio)</a:t>
+            </a:r>
           </a:p>
         </p:txBody>
       </p:sp>
     </p:spTree>
     <p:extLst>
       <p:ext uri="{BB962C8B-B14F-4D97-AF65-F5344CB8AC3E}">
-        <p14:creationId xmlns:p14="http://schemas.microsoft.com/office/powerpoint/2010/main" val="3090928189"/>
+        <p14:creationId xmlns:p14="http://schemas.microsoft.com/office/powerpoint/2010/main" val="4004741645"/>
       </p:ext>
     </p:extLst>
   </p:cSld>
@@ -3670,7 +3924,7 @@
           <p:cNvPr id="2" name="Title 1">
             <a:extLst>
               <a:ext uri="{FF2B5EF4-FFF2-40B4-BE49-F238E27FC236}">
-                <a16:creationId xmlns:a16="http://schemas.microsoft.com/office/drawing/2014/main" id="{493F4081-19B0-895E-610F-8F95463133CF}"/>
+                <a16:creationId xmlns:a16="http://schemas.microsoft.com/office/drawing/2014/main" id="{C0E5B8ED-C7DC-0699-4012-571B4E8014B2}"/>
               </a:ext>
             </a:extLst>
           </p:cNvPr>
@@ -3688,7 +3942,7 @@
           <a:p>
             <a:r>
               <a:rPr lang="en-US" dirty="0" err="1"/>
-              <a:t>exhaust_flow.m</a:t>
+              <a:t>combustion.m</a:t>
             </a:r>
             <a:endParaRPr lang="en-US" dirty="0"/>
           </a:p>
@@ -3699,7 +3953,7 @@
           <p:cNvPr id="3" name="Content Placeholder 2">
             <a:extLst>
               <a:ext uri="{FF2B5EF4-FFF2-40B4-BE49-F238E27FC236}">
-                <a16:creationId xmlns:a16="http://schemas.microsoft.com/office/drawing/2014/main" id="{EEA55F12-E3A4-1025-7E11-0FDC56B65D33}"/>
+                <a16:creationId xmlns:a16="http://schemas.microsoft.com/office/drawing/2014/main" id="{EC4555EB-5679-5C6F-5CF7-523DB1F52641}"/>
               </a:ext>
             </a:extLst>
           </p:cNvPr>
@@ -3722,7 +3976,7 @@
     </p:spTree>
     <p:extLst>
       <p:ext uri="{BB962C8B-B14F-4D97-AF65-F5344CB8AC3E}">
-        <p14:creationId xmlns:p14="http://schemas.microsoft.com/office/powerpoint/2010/main" val="872809508"/>
+        <p14:creationId xmlns:p14="http://schemas.microsoft.com/office/powerpoint/2010/main" val="3090928189"/>
       </p:ext>
     </p:extLst>
   </p:cSld>
@@ -3754,7 +4008,7 @@
           <p:cNvPr id="2" name="Title 1">
             <a:extLst>
               <a:ext uri="{FF2B5EF4-FFF2-40B4-BE49-F238E27FC236}">
-                <a16:creationId xmlns:a16="http://schemas.microsoft.com/office/drawing/2014/main" id="{EE5EAA51-B165-0474-3079-ABBC0D4BACC7}"/>
+                <a16:creationId xmlns:a16="http://schemas.microsoft.com/office/drawing/2014/main" id="{493F4081-19B0-895E-610F-8F95463133CF}"/>
               </a:ext>
             </a:extLst>
           </p:cNvPr>
@@ -3772,7 +4026,7 @@
           <a:p>
             <a:r>
               <a:rPr lang="en-US" dirty="0" err="1"/>
-              <a:t>thermal_balance.m</a:t>
+              <a:t>exhaust_flow.m</a:t>
             </a:r>
             <a:endParaRPr lang="en-US" dirty="0"/>
           </a:p>
@@ -3783,7 +4037,7 @@
           <p:cNvPr id="3" name="Content Placeholder 2">
             <a:extLst>
               <a:ext uri="{FF2B5EF4-FFF2-40B4-BE49-F238E27FC236}">
-                <a16:creationId xmlns:a16="http://schemas.microsoft.com/office/drawing/2014/main" id="{86E02C20-F831-42BB-3D5A-5451CB517905}"/>
+                <a16:creationId xmlns:a16="http://schemas.microsoft.com/office/drawing/2014/main" id="{EEA55F12-E3A4-1025-7E11-0FDC56B65D33}"/>
               </a:ext>
             </a:extLst>
           </p:cNvPr>
@@ -3806,7 +4060,7 @@
     </p:spTree>
     <p:extLst>
       <p:ext uri="{BB962C8B-B14F-4D97-AF65-F5344CB8AC3E}">
-        <p14:creationId xmlns:p14="http://schemas.microsoft.com/office/powerpoint/2010/main" val="1241911576"/>
+        <p14:creationId xmlns:p14="http://schemas.microsoft.com/office/powerpoint/2010/main" val="872809508"/>
       </p:ext>
     </p:extLst>
   </p:cSld>
@@ -3838,6 +4092,90 @@
           <p:cNvPr id="2" name="Title 1">
             <a:extLst>
               <a:ext uri="{FF2B5EF4-FFF2-40B4-BE49-F238E27FC236}">
+                <a16:creationId xmlns:a16="http://schemas.microsoft.com/office/drawing/2014/main" id="{EE5EAA51-B165-0474-3079-ABBC0D4BACC7}"/>
+              </a:ext>
+            </a:extLst>
+          </p:cNvPr>
+          <p:cNvSpPr>
+            <a:spLocks noGrp="1"/>
+          </p:cNvSpPr>
+          <p:nvPr>
+            <p:ph type="title"/>
+          </p:nvPr>
+        </p:nvSpPr>
+        <p:spPr/>
+        <p:txBody>
+          <a:bodyPr/>
+          <a:lstStyle/>
+          <a:p>
+            <a:r>
+              <a:rPr lang="en-US" dirty="0" err="1"/>
+              <a:t>thermal_balance.m</a:t>
+            </a:r>
+            <a:endParaRPr lang="en-US" dirty="0"/>
+          </a:p>
+        </p:txBody>
+      </p:sp>
+      <p:sp>
+        <p:nvSpPr>
+          <p:cNvPr id="3" name="Content Placeholder 2">
+            <a:extLst>
+              <a:ext uri="{FF2B5EF4-FFF2-40B4-BE49-F238E27FC236}">
+                <a16:creationId xmlns:a16="http://schemas.microsoft.com/office/drawing/2014/main" id="{86E02C20-F831-42BB-3D5A-5451CB517905}"/>
+              </a:ext>
+            </a:extLst>
+          </p:cNvPr>
+          <p:cNvSpPr>
+            <a:spLocks noGrp="1"/>
+          </p:cNvSpPr>
+          <p:nvPr>
+            <p:ph idx="1"/>
+          </p:nvPr>
+        </p:nvSpPr>
+        <p:spPr/>
+        <p:txBody>
+          <a:bodyPr/>
+          <a:lstStyle/>
+          <a:p>
+            <a:endParaRPr lang="en-US"/>
+          </a:p>
+        </p:txBody>
+      </p:sp>
+    </p:spTree>
+    <p:extLst>
+      <p:ext uri="{BB962C8B-B14F-4D97-AF65-F5344CB8AC3E}">
+        <p14:creationId xmlns:p14="http://schemas.microsoft.com/office/powerpoint/2010/main" val="1241911576"/>
+      </p:ext>
+    </p:extLst>
+  </p:cSld>
+  <p:clrMapOvr>
+    <a:masterClrMapping/>
+  </p:clrMapOvr>
+</p:sld>
+</file>
+
+<file path=ppt/slides/slide8.xml><?xml version="1.0" encoding="utf-8"?>
+<p:sld xmlns:a="http://schemas.openxmlformats.org/drawingml/2006/main" xmlns:r="http://schemas.openxmlformats.org/officeDocument/2006/relationships" xmlns:p="http://schemas.openxmlformats.org/presentationml/2006/main">
+  <p:cSld>
+    <p:spTree>
+      <p:nvGrpSpPr>
+        <p:cNvPr id="1" name=""/>
+        <p:cNvGrpSpPr/>
+        <p:nvPr/>
+      </p:nvGrpSpPr>
+      <p:grpSpPr>
+        <a:xfrm>
+          <a:off x="0" y="0"/>
+          <a:ext cx="0" cy="0"/>
+          <a:chOff x="0" y="0"/>
+          <a:chExt cx="0" cy="0"/>
+        </a:xfrm>
+      </p:grpSpPr>
+      <p:sp>
+        <p:nvSpPr>
+          <p:cNvPr id="2" name="Title 1">
+            <a:extLst>
+              <a:ext uri="{FF2B5EF4-FFF2-40B4-BE49-F238E27FC236}">
                 <a16:creationId xmlns:a16="http://schemas.microsoft.com/office/drawing/2014/main" id="{32EB2CE4-4A94-0AA9-FF0A-96EF1A823FA0}"/>
               </a:ext>
             </a:extLst>
@@ -3900,7 +4238,7 @@
 </p:sld>
 </file>
 
-<file path=ppt/slides/slide8.xml><?xml version="1.0" encoding="utf-8"?>
+<file path=ppt/slides/slide9.xml><?xml version="1.0" encoding="utf-8"?>
 <p:sld xmlns:a="http://schemas.openxmlformats.org/drawingml/2006/main" xmlns:r="http://schemas.openxmlformats.org/officeDocument/2006/relationships" xmlns:p="http://schemas.openxmlformats.org/presentationml/2006/main">
   <p:cSld>
     <p:spTree>
